--- a/deliverables/MSiA-423 Project Presentation.pptx
+++ b/deliverables/MSiA-423 Project Presentation.pptx
@@ -10414,7 +10414,7 @@
             </a:r>
             <a:r>
               <a:rPr lang="en-US" altLang="zh-CN" sz="1600" dirty="0"/>
-              <a:t>A Machine learning prediction engine for customer churn analysis</a:t>
+              <a:t>A machine learning prediction engine for customer churn analysis</a:t>
             </a:r>
             <a:br>
               <a:rPr lang="en-US" altLang="zh-CN" sz="4400" dirty="0"/>
@@ -11288,10 +11288,10 @@
       </p:sp>
       <p:pic>
         <p:nvPicPr>
-          <p:cNvPr id="3" name="Picture 2" descr="A screenshot of a social media post&#10;&#10;Description automatically generated">
+          <p:cNvPr id="4" name="Picture 3" descr="A screenshot of a social media post&#10;&#10;Description automatically generated">
             <a:extLst>
               <a:ext uri="{FF2B5EF4-FFF2-40B4-BE49-F238E27FC236}">
-                <a16:creationId xmlns:a16="http://schemas.microsoft.com/office/drawing/2014/main" id="{B2FCDE51-83BB-8340-A9DD-841B80C6DC0E}"/>
+                <a16:creationId xmlns:a16="http://schemas.microsoft.com/office/drawing/2014/main" id="{BADFDCC8-0093-8B4D-BA15-2CCCCA328A00}"/>
               </a:ext>
             </a:extLst>
           </p:cNvPr>
@@ -11302,13 +11302,13 @@
         </p:nvPicPr>
         <p:blipFill rotWithShape="1">
           <a:blip r:embed="rId4"/>
-          <a:srcRect t="1082"/>
+          <a:srcRect t="1942" b="27521"/>
           <a:stretch/>
         </p:blipFill>
         <p:spPr>
           <a:xfrm>
-            <a:off x="4436685" y="1385432"/>
-            <a:ext cx="3554343" cy="2244881"/>
+            <a:off x="4541464" y="1405738"/>
+            <a:ext cx="3354180" cy="2192770"/>
           </a:xfrm>
           <a:prstGeom prst="rect">
             <a:avLst/>
